--- a/Knowledge.pptx
+++ b/Knowledge.pptx
@@ -11,11 +11,12 @@
     <p:sldId id="258" r:id="rId5"/>
     <p:sldId id="260" r:id="rId6"/>
     <p:sldId id="261" r:id="rId7"/>
-    <p:sldId id="262" r:id="rId8"/>
-    <p:sldId id="263" r:id="rId9"/>
-    <p:sldId id="264" r:id="rId10"/>
-    <p:sldId id="265" r:id="rId11"/>
-    <p:sldId id="266" r:id="rId12"/>
+    <p:sldId id="267" r:id="rId8"/>
+    <p:sldId id="262" r:id="rId9"/>
+    <p:sldId id="263" r:id="rId10"/>
+    <p:sldId id="264" r:id="rId11"/>
+    <p:sldId id="265" r:id="rId12"/>
+    <p:sldId id="266" r:id="rId13"/>
   </p:sldIdLst>
   <p:sldSz cx="9144000" cy="6858000" type="screen4x3"/>
   <p:notesSz cx="6858000" cy="9144000"/>
@@ -299,7 +300,7 @@
             <a:fld id="{895B3DE4-31A3-474E-BDBC-05A6BCBEA9E9}" type="datetimeFigureOut">
               <a:rPr lang="en-US" smtClean="0"/>
               <a:pPr/>
-              <a:t>7/24/2012</a:t>
+              <a:t>7/25/2012</a:t>
             </a:fld>
             <a:endParaRPr lang="en-US"/>
           </a:p>
@@ -466,7 +467,7 @@
             <a:fld id="{895B3DE4-31A3-474E-BDBC-05A6BCBEA9E9}" type="datetimeFigureOut">
               <a:rPr lang="en-US" smtClean="0"/>
               <a:pPr/>
-              <a:t>7/24/2012</a:t>
+              <a:t>7/25/2012</a:t>
             </a:fld>
             <a:endParaRPr lang="en-US"/>
           </a:p>
@@ -643,7 +644,7 @@
             <a:fld id="{895B3DE4-31A3-474E-BDBC-05A6BCBEA9E9}" type="datetimeFigureOut">
               <a:rPr lang="en-US" smtClean="0"/>
               <a:pPr/>
-              <a:t>7/24/2012</a:t>
+              <a:t>7/25/2012</a:t>
             </a:fld>
             <a:endParaRPr lang="en-US"/>
           </a:p>
@@ -810,7 +811,7 @@
             <a:fld id="{895B3DE4-31A3-474E-BDBC-05A6BCBEA9E9}" type="datetimeFigureOut">
               <a:rPr lang="en-US" smtClean="0"/>
               <a:pPr/>
-              <a:t>7/24/2012</a:t>
+              <a:t>7/25/2012</a:t>
             </a:fld>
             <a:endParaRPr lang="en-US"/>
           </a:p>
@@ -1053,7 +1054,7 @@
             <a:fld id="{895B3DE4-31A3-474E-BDBC-05A6BCBEA9E9}" type="datetimeFigureOut">
               <a:rPr lang="en-US" smtClean="0"/>
               <a:pPr/>
-              <a:t>7/24/2012</a:t>
+              <a:t>7/25/2012</a:t>
             </a:fld>
             <a:endParaRPr lang="en-US"/>
           </a:p>
@@ -1338,7 +1339,7 @@
             <a:fld id="{895B3DE4-31A3-474E-BDBC-05A6BCBEA9E9}" type="datetimeFigureOut">
               <a:rPr lang="en-US" smtClean="0"/>
               <a:pPr/>
-              <a:t>7/24/2012</a:t>
+              <a:t>7/25/2012</a:t>
             </a:fld>
             <a:endParaRPr lang="en-US"/>
           </a:p>
@@ -1757,7 +1758,7 @@
             <a:fld id="{895B3DE4-31A3-474E-BDBC-05A6BCBEA9E9}" type="datetimeFigureOut">
               <a:rPr lang="en-US" smtClean="0"/>
               <a:pPr/>
-              <a:t>7/24/2012</a:t>
+              <a:t>7/25/2012</a:t>
             </a:fld>
             <a:endParaRPr lang="en-US"/>
           </a:p>
@@ -1872,7 +1873,7 @@
             <a:fld id="{895B3DE4-31A3-474E-BDBC-05A6BCBEA9E9}" type="datetimeFigureOut">
               <a:rPr lang="en-US" smtClean="0"/>
               <a:pPr/>
-              <a:t>7/24/2012</a:t>
+              <a:t>7/25/2012</a:t>
             </a:fld>
             <a:endParaRPr lang="en-US"/>
           </a:p>
@@ -1964,7 +1965,7 @@
             <a:fld id="{895B3DE4-31A3-474E-BDBC-05A6BCBEA9E9}" type="datetimeFigureOut">
               <a:rPr lang="en-US" smtClean="0"/>
               <a:pPr/>
-              <a:t>7/24/2012</a:t>
+              <a:t>7/25/2012</a:t>
             </a:fld>
             <a:endParaRPr lang="en-US"/>
           </a:p>
@@ -2238,7 +2239,7 @@
             <a:fld id="{895B3DE4-31A3-474E-BDBC-05A6BCBEA9E9}" type="datetimeFigureOut">
               <a:rPr lang="en-US" smtClean="0"/>
               <a:pPr/>
-              <a:t>7/24/2012</a:t>
+              <a:t>7/25/2012</a:t>
             </a:fld>
             <a:endParaRPr lang="en-US"/>
           </a:p>
@@ -2488,7 +2489,7 @@
             <a:fld id="{895B3DE4-31A3-474E-BDBC-05A6BCBEA9E9}" type="datetimeFigureOut">
               <a:rPr lang="en-US" smtClean="0"/>
               <a:pPr/>
-              <a:t>7/24/2012</a:t>
+              <a:t>7/25/2012</a:t>
             </a:fld>
             <a:endParaRPr lang="en-US"/>
           </a:p>
@@ -2698,7 +2699,7 @@
             <a:fld id="{895B3DE4-31A3-474E-BDBC-05A6BCBEA9E9}" type="datetimeFigureOut">
               <a:rPr lang="en-US" smtClean="0"/>
               <a:pPr/>
-              <a:t>7/24/2012</a:t>
+              <a:t>7/25/2012</a:t>
             </a:fld>
             <a:endParaRPr lang="en-US"/>
           </a:p>
@@ -3093,7 +3094,15 @@
           <a:p>
             <a:r>
               <a:rPr lang="en-US" dirty="0" smtClean="0"/>
-              <a:t>Knowledge discovery on Web3.0</a:t>
+              <a:t>Knowledge discovery </a:t>
+            </a:r>
+            <a:r>
+              <a:rPr lang="en-US" dirty="0" smtClean="0"/>
+              <a:t>in Web3.0</a:t>
+            </a:r>
+            <a:r>
+              <a:rPr lang="en-US" dirty="0" smtClean="0"/>
+              <a:t/>
             </a:r>
             <a:br>
               <a:rPr lang="en-US" dirty="0" smtClean="0"/>
@@ -3215,6 +3224,101 @@
             <a:pPr algn="ctr"/>
             <a:r>
               <a:rPr lang="en-US" sz="3600" dirty="0" smtClean="0"/>
+              <a:t>My knowledge map</a:t>
+            </a:r>
+            <a:endParaRPr lang="en-US" sz="3600" dirty="0"/>
+          </a:p>
+        </p:txBody>
+      </p:sp>
+      <p:pic>
+        <p:nvPicPr>
+          <p:cNvPr id="5122" name="Picture 2"/>
+          <p:cNvPicPr>
+            <a:picLocks noChangeAspect="1" noChangeArrowheads="1"/>
+          </p:cNvPicPr>
+          <p:nvPr/>
+        </p:nvPicPr>
+        <p:blipFill>
+          <a:blip r:embed="rId2" cstate="print"/>
+          <a:srcRect/>
+          <a:stretch>
+            <a:fillRect/>
+          </a:stretch>
+        </p:blipFill>
+        <p:spPr bwMode="auto">
+          <a:xfrm>
+            <a:off x="179512" y="1490710"/>
+            <a:ext cx="8964488" cy="3816424"/>
+          </a:xfrm>
+          <a:prstGeom prst="rect">
+            <a:avLst/>
+          </a:prstGeom>
+          <a:noFill/>
+          <a:ln w="9525">
+            <a:noFill/>
+            <a:miter lim="800000"/>
+            <a:headEnd/>
+            <a:tailEnd/>
+          </a:ln>
+        </p:spPr>
+      </p:pic>
+    </p:spTree>
+  </p:cSld>
+  <p:clrMapOvr>
+    <a:masterClrMapping/>
+  </p:clrMapOvr>
+  <p:timing>
+    <p:tnLst>
+      <p:par>
+        <p:cTn id="1" dur="indefinite" restart="never" nodeType="tmRoot"/>
+      </p:par>
+    </p:tnLst>
+  </p:timing>
+</p:sld>
+</file>
+
+<file path=ppt/slides/slide11.xml><?xml version="1.0" encoding="utf-8"?>
+<p:sld xmlns:a="http://schemas.openxmlformats.org/drawingml/2006/main" xmlns:r="http://schemas.openxmlformats.org/officeDocument/2006/relationships" xmlns:p="http://schemas.openxmlformats.org/presentationml/2006/main">
+  <p:cSld>
+    <p:spTree>
+      <p:nvGrpSpPr>
+        <p:cNvPr id="1" name=""/>
+        <p:cNvGrpSpPr/>
+        <p:nvPr/>
+      </p:nvGrpSpPr>
+      <p:grpSpPr>
+        <a:xfrm>
+          <a:off x="0" y="0"/>
+          <a:ext cx="0" cy="0"/>
+          <a:chOff x="0" y="0"/>
+          <a:chExt cx="0" cy="0"/>
+        </a:xfrm>
+      </p:grpSpPr>
+      <p:sp>
+        <p:nvSpPr>
+          <p:cNvPr id="15" name="TextBox 14"/>
+          <p:cNvSpPr txBox="1"/>
+          <p:nvPr/>
+        </p:nvSpPr>
+        <p:spPr>
+          <a:xfrm>
+            <a:off x="971600" y="692696"/>
+            <a:ext cx="6840760" cy="646331"/>
+          </a:xfrm>
+          <a:prstGeom prst="rect">
+            <a:avLst/>
+          </a:prstGeom>
+          <a:noFill/>
+        </p:spPr>
+        <p:txBody>
+          <a:bodyPr wrap="square" rtlCol="0">
+            <a:spAutoFit/>
+          </a:bodyPr>
+          <a:lstStyle/>
+          <a:p>
+            <a:pPr algn="ctr"/>
+            <a:r>
+              <a:rPr lang="en-US" sz="3600" dirty="0" smtClean="0"/>
               <a:t>My potential collaborators</a:t>
             </a:r>
             <a:endParaRPr lang="en-US" sz="3600" dirty="0"/>
@@ -3334,7 +3438,7 @@
 </p:sld>
 </file>
 
-<file path=ppt/slides/slide11.xml><?xml version="1.0" encoding="utf-8"?>
+<file path=ppt/slides/slide12.xml><?xml version="1.0" encoding="utf-8"?>
 <p:sld xmlns:a="http://schemas.openxmlformats.org/drawingml/2006/main" xmlns:r="http://schemas.openxmlformats.org/officeDocument/2006/relationships" xmlns:p="http://schemas.openxmlformats.org/presentationml/2006/main">
   <p:cSld>
     <p:spTree>
@@ -3391,7 +3495,7 @@
         <p:spPr>
           <a:xfrm>
             <a:off x="1115616" y="1916832"/>
-            <a:ext cx="6857839" cy="1200329"/>
+            <a:ext cx="6857839" cy="2031325"/>
           </a:xfrm>
           <a:prstGeom prst="rect">
             <a:avLst/>
@@ -3430,8 +3534,47 @@
             </a:pPr>
             <a:r>
               <a:rPr lang="en-US" dirty="0" smtClean="0"/>
-              <a:t>Discover the potential research area</a:t>
-            </a:r>
+              <a:t>Discover the potential research </a:t>
+            </a:r>
+            <a:r>
+              <a:rPr lang="en-US" dirty="0" smtClean="0"/>
+              <a:t>area</a:t>
+            </a:r>
+          </a:p>
+          <a:p>
+            <a:pPr>
+              <a:buFont typeface="Arial" pitchFamily="34" charset="0"/>
+              <a:buChar char="•"/>
+            </a:pPr>
+            <a:r>
+              <a:rPr lang="en-US" dirty="0" smtClean="0"/>
+              <a:t>Publications clustering</a:t>
+            </a:r>
+          </a:p>
+          <a:p>
+            <a:pPr>
+              <a:buFont typeface="Arial" pitchFamily="34" charset="0"/>
+              <a:buChar char="•"/>
+            </a:pPr>
+            <a:r>
+              <a:rPr lang="en-US" dirty="0" smtClean="0"/>
+              <a:t>Authors clustering</a:t>
+            </a:r>
+          </a:p>
+          <a:p>
+            <a:pPr>
+              <a:buFont typeface="Arial" pitchFamily="34" charset="0"/>
+              <a:buChar char="•"/>
+            </a:pPr>
+            <a:r>
+              <a:rPr lang="en-US" dirty="0" smtClean="0"/>
+              <a:t>Personalized </a:t>
+            </a:r>
+            <a:r>
+              <a:rPr lang="en-US" dirty="0" smtClean="0"/>
+              <a:t>search engine</a:t>
+            </a:r>
+            <a:endParaRPr lang="en-US" dirty="0" smtClean="0"/>
           </a:p>
           <a:p>
             <a:pPr>
@@ -3614,7 +3757,7 @@
         <p:spPr>
           <a:xfrm>
             <a:off x="683568" y="2780928"/>
-            <a:ext cx="8437374" cy="1569660"/>
+            <a:ext cx="7632859" cy="1569660"/>
           </a:xfrm>
           <a:prstGeom prst="rect">
             <a:avLst/>
@@ -3633,7 +3776,15 @@
             </a:pPr>
             <a:r>
               <a:rPr lang="en-US" sz="2400" dirty="0" smtClean="0"/>
-              <a:t>A web were the context of the content defined as data</a:t>
+              <a:t>T</a:t>
+            </a:r>
+            <a:r>
+              <a:rPr lang="en-US" sz="2400" dirty="0" smtClean="0"/>
+              <a:t>he </a:t>
+            </a:r>
+            <a:r>
+              <a:rPr lang="en-US" sz="2400" dirty="0" smtClean="0"/>
+              <a:t>context of the content defined as data</a:t>
             </a:r>
           </a:p>
           <a:p>
@@ -3643,7 +3794,19 @@
             </a:pPr>
             <a:r>
               <a:rPr lang="en-US" sz="2400" dirty="0" smtClean="0"/>
-              <a:t>A web capable of reading and understanding content and context</a:t>
+              <a:t>Capable </a:t>
+            </a:r>
+            <a:r>
+              <a:rPr lang="en-US" sz="2400" dirty="0" smtClean="0"/>
+              <a:t>of r</a:t>
+            </a:r>
+            <a:r>
+              <a:rPr lang="en-US" sz="2400" dirty="0" smtClean="0"/>
+              <a:t>eading </a:t>
+            </a:r>
+            <a:r>
+              <a:rPr lang="en-US" sz="2400" dirty="0" smtClean="0"/>
+              <a:t>and understanding content and context</a:t>
             </a:r>
           </a:p>
           <a:p>
@@ -3653,7 +3816,11 @@
             </a:pPr>
             <a:r>
               <a:rPr lang="en-US" sz="2400" dirty="0" smtClean="0"/>
-              <a:t>A web can better satisfy the requests of the people and machine</a:t>
+              <a:t>Better satisfy </a:t>
+            </a:r>
+            <a:r>
+              <a:rPr lang="en-US" sz="2400" dirty="0" smtClean="0"/>
+              <a:t>the requests of the people and machine</a:t>
             </a:r>
           </a:p>
           <a:p>
@@ -3663,7 +3830,15 @@
             </a:pPr>
             <a:r>
               <a:rPr lang="en-US" sz="2400" dirty="0" smtClean="0"/>
-              <a:t>A web capable of filtering the content that of interest to the user</a:t>
+              <a:t>C</a:t>
+            </a:r>
+            <a:r>
+              <a:rPr lang="en-US" sz="2400" dirty="0" smtClean="0"/>
+              <a:t>apable </a:t>
+            </a:r>
+            <a:r>
+              <a:rPr lang="en-US" sz="2400" dirty="0" smtClean="0"/>
+              <a:t>of filtering the content that of interest to the user</a:t>
             </a:r>
             <a:endParaRPr lang="en-US" sz="2400" dirty="0"/>
           </a:p>
@@ -4555,16 +4730,40 @@
           <a:chExt cx="0" cy="0"/>
         </a:xfrm>
       </p:grpSpPr>
-      <p:sp>
-        <p:nvSpPr>
-          <p:cNvPr id="15" name="TextBox 14"/>
+      <p:pic>
+        <p:nvPicPr>
+          <p:cNvPr id="4" name="Picture 3" descr="kmap.png"/>
+          <p:cNvPicPr>
+            <a:picLocks noChangeAspect="1"/>
+          </p:cNvPicPr>
+          <p:nvPr/>
+        </p:nvPicPr>
+        <p:blipFill>
+          <a:blip r:embed="rId2" cstate="print"/>
+          <a:stretch>
+            <a:fillRect/>
+          </a:stretch>
+        </p:blipFill>
+        <p:spPr>
+          <a:xfrm>
+            <a:off x="0" y="406995"/>
+            <a:ext cx="9144000" cy="6044009"/>
+          </a:xfrm>
+          <a:prstGeom prst="rect">
+            <a:avLst/>
+          </a:prstGeom>
+        </p:spPr>
+      </p:pic>
+      <p:sp>
+        <p:nvSpPr>
+          <p:cNvPr id="5" name="TextBox 4"/>
           <p:cNvSpPr txBox="1"/>
           <p:nvPr/>
         </p:nvSpPr>
         <p:spPr>
           <a:xfrm>
-            <a:off x="2843808" y="692696"/>
-            <a:ext cx="2808312" cy="646331"/>
+            <a:off x="4139952" y="6381328"/>
+            <a:ext cx="1368152" cy="369332"/>
           </a:xfrm>
           <a:prstGeom prst="rect">
             <a:avLst/>
@@ -4578,93 +4777,9 @@
           <a:lstStyle/>
           <a:p>
             <a:r>
-              <a:rPr lang="en-US" sz="3600" dirty="0" smtClean="0"/>
-              <a:t>Challenges</a:t>
-            </a:r>
-            <a:endParaRPr lang="en-US" sz="3600" dirty="0"/>
-          </a:p>
-        </p:txBody>
-      </p:sp>
-      <p:sp>
-        <p:nvSpPr>
-          <p:cNvPr id="16" name="TextBox 15"/>
-          <p:cNvSpPr txBox="1"/>
-          <p:nvPr/>
-        </p:nvSpPr>
-        <p:spPr>
-          <a:xfrm>
-            <a:off x="1043609" y="2348880"/>
-            <a:ext cx="7920880" cy="2585323"/>
-          </a:xfrm>
-          <a:prstGeom prst="rect">
-            <a:avLst/>
-          </a:prstGeom>
-          <a:noFill/>
-        </p:spPr>
-        <p:txBody>
-          <a:bodyPr wrap="square" rtlCol="0">
-            <a:spAutoFit/>
-          </a:bodyPr>
-          <a:lstStyle/>
-          <a:p>
-            <a:pPr>
-              <a:buFont typeface="Arial" pitchFamily="34" charset="0"/>
-              <a:buChar char="•"/>
-            </a:pPr>
-            <a:r>
               <a:rPr lang="en-US" dirty="0" smtClean="0"/>
-              <a:t>Connectedness: All different type of knowledge node are interlinked and connected</a:t>
-            </a:r>
-          </a:p>
-          <a:p>
-            <a:pPr>
-              <a:buFont typeface="Arial" pitchFamily="34" charset="0"/>
-              <a:buChar char="•"/>
-            </a:pPr>
-            <a:r>
-              <a:rPr lang="en-US" dirty="0" smtClean="0"/>
-              <a:t>Data size:  For example, if we want to store 10 thousand publications, we may need store over 1 million related entities</a:t>
-            </a:r>
-          </a:p>
-          <a:p>
-            <a:pPr>
-              <a:buFont typeface="Arial" pitchFamily="34" charset="0"/>
-              <a:buChar char="•"/>
-            </a:pPr>
-            <a:r>
-              <a:rPr lang="en-US" dirty="0" smtClean="0"/>
-              <a:t>Semi-structure: Individualization of the knowledge node, the property of the knowledge node should be user definable</a:t>
-            </a:r>
-          </a:p>
-          <a:p>
-            <a:pPr>
-              <a:buFont typeface="Arial" pitchFamily="34" charset="0"/>
-              <a:buChar char="•"/>
-            </a:pPr>
-            <a:r>
-              <a:rPr lang="en-US" dirty="0"/>
-              <a:t>E</a:t>
-            </a:r>
-            <a:r>
-              <a:rPr lang="en-US" dirty="0" smtClean="0"/>
-              <a:t>xtracts implicit, potentially useful information from the data</a:t>
-            </a:r>
-          </a:p>
-          <a:p>
-            <a:pPr>
-              <a:buFont typeface="Arial" pitchFamily="34" charset="0"/>
-              <a:buChar char="•"/>
-            </a:pPr>
-            <a:r>
-              <a:rPr lang="en-US" dirty="0" smtClean="0"/>
-              <a:t>Knowledge visualization</a:t>
-            </a:r>
-          </a:p>
-          <a:p>
-            <a:pPr>
-              <a:buFont typeface="Arial" pitchFamily="34" charset="0"/>
-              <a:buChar char="•"/>
-            </a:pPr>
+              <a:t>KM:=(N,R)</a:t>
+            </a:r>
             <a:endParaRPr lang="en-US" dirty="0"/>
           </a:p>
         </p:txBody>
@@ -4725,7 +4840,7 @@
           <a:p>
             <a:r>
               <a:rPr lang="en-US" sz="3600" dirty="0" smtClean="0"/>
-              <a:t>Solutions?</a:t>
+              <a:t>Challenges</a:t>
             </a:r>
             <a:endParaRPr lang="en-US" sz="3600" dirty="0"/>
           </a:p>
@@ -4740,7 +4855,7 @@
         <p:spPr>
           <a:xfrm>
             <a:off x="1043609" y="2348880"/>
-            <a:ext cx="7920880" cy="1754326"/>
+            <a:ext cx="7920880" cy="2585323"/>
           </a:xfrm>
           <a:prstGeom prst="rect">
             <a:avLst/>
@@ -4758,20 +4873,16 @@
               <a:buChar char="•"/>
             </a:pPr>
             <a:r>
-              <a:rPr lang="en-US" dirty="0" err="1" smtClean="0"/>
-              <a:t>NoSQL</a:t>
-            </a:r>
-            <a:r>
               <a:rPr lang="en-US" dirty="0" smtClean="0"/>
-              <a:t> (</a:t>
-            </a:r>
-            <a:r>
-              <a:rPr lang="en-US" dirty="0" err="1" smtClean="0"/>
-              <a:t>Basex,CouchDB,MangoDB</a:t>
+              <a:t>Connectedness: All different </a:t>
             </a:r>
             <a:r>
               <a:rPr lang="en-US" dirty="0" smtClean="0"/>
-              <a:t>, Neo4j)</a:t>
+              <a:t>types </a:t>
+            </a:r>
+            <a:r>
+              <a:rPr lang="en-US" dirty="0" smtClean="0"/>
+              <a:t>of knowledge node are interlinked and connected</a:t>
             </a:r>
           </a:p>
           <a:p>
@@ -4781,7 +4892,7 @@
             </a:pPr>
             <a:r>
               <a:rPr lang="en-US" dirty="0" smtClean="0"/>
-              <a:t>XML, RDF</a:t>
+              <a:t>Data size:  For example, if we want to store 10 thousand publications, we may need store over 1 million related entities</a:t>
             </a:r>
           </a:p>
           <a:p>
@@ -4790,12 +4901,8 @@
               <a:buChar char="•"/>
             </a:pPr>
             <a:r>
-              <a:rPr lang="en-US" dirty="0" err="1" smtClean="0"/>
-              <a:t>Cypher</a:t>
-            </a:r>
-            <a:r>
               <a:rPr lang="en-US" dirty="0" smtClean="0"/>
-              <a:t>, gremlin </a:t>
+              <a:t>Semi-structure: Individualization of the knowledge node, the property of the knowledge node should be user definable</a:t>
             </a:r>
           </a:p>
           <a:p>
@@ -4804,10 +4911,13 @@
               <a:buChar char="•"/>
             </a:pPr>
             <a:r>
-              <a:rPr lang="en-US" dirty="0" err="1" smtClean="0"/>
-              <a:t>RESTful</a:t>
-            </a:r>
-            <a:endParaRPr lang="en-US" dirty="0" smtClean="0"/>
+              <a:rPr lang="en-US" dirty="0"/>
+              <a:t>E</a:t>
+            </a:r>
+            <a:r>
+              <a:rPr lang="en-US" dirty="0" smtClean="0"/>
+              <a:t>xtracts implicit, potentially useful information from the data</a:t>
+            </a:r>
           </a:p>
           <a:p>
             <a:pPr>
@@ -4816,7 +4926,7 @@
             </a:pPr>
             <a:r>
               <a:rPr lang="en-US" dirty="0" smtClean="0"/>
-              <a:t>Data as a service</a:t>
+              <a:t>Knowledge visualization</a:t>
             </a:r>
           </a:p>
           <a:p>
@@ -4824,10 +4934,6 @@
               <a:buFont typeface="Arial" pitchFamily="34" charset="0"/>
               <a:buChar char="•"/>
             </a:pPr>
-            <a:r>
-              <a:rPr lang="en-US" dirty="0" smtClean="0"/>
-              <a:t>HTML5 and CSS3</a:t>
-            </a:r>
             <a:endParaRPr lang="en-US" dirty="0"/>
           </a:p>
         </p:txBody>
@@ -4872,8 +4978,8 @@
         </p:nvSpPr>
         <p:spPr>
           <a:xfrm>
-            <a:off x="971600" y="692696"/>
-            <a:ext cx="6840760" cy="646331"/>
+            <a:off x="2843808" y="692696"/>
+            <a:ext cx="2808312" cy="646331"/>
           </a:xfrm>
           <a:prstGeom prst="rect">
             <a:avLst/>
@@ -4886,47 +4992,115 @@
           </a:bodyPr>
           <a:lstStyle/>
           <a:p>
-            <a:pPr algn="ctr"/>
             <a:r>
               <a:rPr lang="en-US" sz="3600" dirty="0" smtClean="0"/>
-              <a:t>My tags cloud</a:t>
+              <a:t>Solutions?</a:t>
             </a:r>
             <a:endParaRPr lang="en-US" sz="3600" dirty="0"/>
           </a:p>
         </p:txBody>
       </p:sp>
-      <p:pic>
-        <p:nvPicPr>
-          <p:cNvPr id="4100" name="Picture 4"/>
-          <p:cNvPicPr>
-            <a:picLocks noChangeAspect="1" noChangeArrowheads="1"/>
-          </p:cNvPicPr>
+      <p:sp>
+        <p:nvSpPr>
+          <p:cNvPr id="16" name="TextBox 15"/>
+          <p:cNvSpPr txBox="1"/>
           <p:nvPr/>
-        </p:nvPicPr>
-        <p:blipFill>
-          <a:blip r:embed="rId2" cstate="print"/>
-          <a:srcRect/>
-          <a:stretch>
-            <a:fillRect/>
-          </a:stretch>
-        </p:blipFill>
-        <p:spPr bwMode="auto">
+        </p:nvSpPr>
+        <p:spPr>
           <a:xfrm>
-            <a:off x="819150" y="1271588"/>
-            <a:ext cx="7505700" cy="4314825"/>
+            <a:off x="1043609" y="2348880"/>
+            <a:ext cx="7920880" cy="1754326"/>
           </a:xfrm>
           <a:prstGeom prst="rect">
             <a:avLst/>
           </a:prstGeom>
           <a:noFill/>
-          <a:ln w="9525">
-            <a:noFill/>
-            <a:miter lim="800000"/>
-            <a:headEnd/>
-            <a:tailEnd/>
-          </a:ln>
         </p:spPr>
-      </p:pic>
+        <p:txBody>
+          <a:bodyPr wrap="square" rtlCol="0">
+            <a:spAutoFit/>
+          </a:bodyPr>
+          <a:lstStyle/>
+          <a:p>
+            <a:pPr>
+              <a:buFont typeface="Arial" pitchFamily="34" charset="0"/>
+              <a:buChar char="•"/>
+            </a:pPr>
+            <a:r>
+              <a:rPr lang="en-US" dirty="0" err="1" smtClean="0"/>
+              <a:t>NoSQL</a:t>
+            </a:r>
+            <a:r>
+              <a:rPr lang="en-US" dirty="0" smtClean="0"/>
+              <a:t> (</a:t>
+            </a:r>
+            <a:r>
+              <a:rPr lang="en-US" dirty="0" err="1" smtClean="0"/>
+              <a:t>Basex,CouchDB,MangoDB</a:t>
+            </a:r>
+            <a:r>
+              <a:rPr lang="en-US" dirty="0" smtClean="0"/>
+              <a:t>, Neo4j)</a:t>
+            </a:r>
+          </a:p>
+          <a:p>
+            <a:pPr>
+              <a:buFont typeface="Arial" pitchFamily="34" charset="0"/>
+              <a:buChar char="•"/>
+            </a:pPr>
+            <a:r>
+              <a:rPr lang="en-US" dirty="0" smtClean="0"/>
+              <a:t>XML, RDF</a:t>
+            </a:r>
+          </a:p>
+          <a:p>
+            <a:pPr>
+              <a:buFont typeface="Arial" pitchFamily="34" charset="0"/>
+              <a:buChar char="•"/>
+            </a:pPr>
+            <a:r>
+              <a:rPr lang="en-US" dirty="0" err="1" smtClean="0"/>
+              <a:t>Cypher</a:t>
+            </a:r>
+            <a:r>
+              <a:rPr lang="en-US" dirty="0" smtClean="0"/>
+              <a:t>, gremlin </a:t>
+            </a:r>
+          </a:p>
+          <a:p>
+            <a:pPr>
+              <a:buFont typeface="Arial" pitchFamily="34" charset="0"/>
+              <a:buChar char="•"/>
+            </a:pPr>
+            <a:r>
+              <a:rPr lang="en-US" dirty="0" err="1" smtClean="0"/>
+              <a:t>RESTful</a:t>
+            </a:r>
+            <a:endParaRPr lang="en-US" dirty="0" smtClean="0"/>
+          </a:p>
+          <a:p>
+            <a:pPr>
+              <a:buFont typeface="Arial" pitchFamily="34" charset="0"/>
+              <a:buChar char="•"/>
+            </a:pPr>
+            <a:r>
+              <a:rPr lang="en-US" dirty="0" smtClean="0"/>
+              <a:t>Data as a service</a:t>
+            </a:r>
+          </a:p>
+          <a:p>
+            <a:pPr>
+              <a:buFont typeface="Arial" pitchFamily="34" charset="0"/>
+              <a:buChar char="•"/>
+            </a:pPr>
+            <a:r>
+              <a:rPr lang="en-US" dirty="0" smtClean="0"/>
+              <a:t>HTML5 and CSS3</a:t>
+            </a:r>
+            <a:endParaRPr lang="en-US" dirty="0"/>
+          </a:p>
+        </p:txBody>
+      </p:sp>
     </p:spTree>
   </p:cSld>
   <p:clrMapOvr>
@@ -4984,7 +5158,7 @@
             <a:pPr algn="ctr"/>
             <a:r>
               <a:rPr lang="en-US" sz="3600" dirty="0" smtClean="0"/>
-              <a:t>My knowledge map</a:t>
+              <a:t>My tags cloud</a:t>
             </a:r>
             <a:endParaRPr lang="en-US" sz="3600" dirty="0"/>
           </a:p>
@@ -4992,7 +5166,7 @@
       </p:sp>
       <p:pic>
         <p:nvPicPr>
-          <p:cNvPr id="5122" name="Picture 2"/>
+          <p:cNvPr id="4100" name="Picture 4"/>
           <p:cNvPicPr>
             <a:picLocks noChangeAspect="1" noChangeArrowheads="1"/>
           </p:cNvPicPr>
@@ -5007,8 +5181,8 @@
         </p:blipFill>
         <p:spPr bwMode="auto">
           <a:xfrm>
-            <a:off x="179512" y="1490710"/>
-            <a:ext cx="8964488" cy="3816424"/>
+            <a:off x="819150" y="1271588"/>
+            <a:ext cx="7505700" cy="4314825"/>
           </a:xfrm>
           <a:prstGeom prst="rect">
             <a:avLst/>
